--- a/NanoSim-Final-Presentation.pptx
+++ b/NanoSim-Final-Presentation.pptx
@@ -5,7 +5,7 @@
     <p:sldMasterId id="2147483720" r:id="rId1"/>
   </p:sldMasterIdLst>
   <p:notesMasterIdLst>
-    <p:notesMasterId r:id="rId15"/>
+    <p:notesMasterId r:id="rId14"/>
   </p:notesMasterIdLst>
   <p:sldIdLst>
     <p:sldId id="257" r:id="rId2"/>
@@ -18,9 +18,8 @@
     <p:sldId id="264" r:id="rId9"/>
     <p:sldId id="265" r:id="rId10"/>
     <p:sldId id="266" r:id="rId11"/>
-    <p:sldId id="267" r:id="rId12"/>
-    <p:sldId id="268" r:id="rId13"/>
-    <p:sldId id="269" r:id="rId14"/>
+    <p:sldId id="268" r:id="rId12"/>
+    <p:sldId id="269" r:id="rId13"/>
   </p:sldIdLst>
   <p:sldSz cx="9144000" cy="6858000" type="screen4x3"/>
   <p:notesSz cx="6858000" cy="9144000"/>
@@ -205,7 +204,7 @@
             <a:fld id="{811FD1C3-06D9-45C1-9089-330A24696C4A}" type="datetimeFigureOut">
               <a:rPr lang="en-US" smtClean="0"/>
               <a:pPr/>
-              <a:t>12/17/2009</a:t>
+              <a:t>2/1/2010</a:t>
             </a:fld>
             <a:endParaRPr lang="en-CA"/>
           </a:p>
@@ -1261,7 +1260,7 @@
             <a:fld id="{E82309BF-6C5B-4CB0-A6BD-DE8EDD67AD57}" type="datetimeFigureOut">
               <a:rPr lang="en-US" smtClean="0"/>
               <a:pPr/>
-              <a:t>12/17/2009</a:t>
+              <a:t>2/1/2010</a:t>
             </a:fld>
             <a:endParaRPr lang="en-CA"/>
           </a:p>
@@ -1459,7 +1458,7 @@
             <a:fld id="{E82309BF-6C5B-4CB0-A6BD-DE8EDD67AD57}" type="datetimeFigureOut">
               <a:rPr lang="en-US" smtClean="0"/>
               <a:pPr/>
-              <a:t>12/17/2009</a:t>
+              <a:t>2/1/2010</a:t>
             </a:fld>
             <a:endParaRPr lang="en-CA"/>
           </a:p>
@@ -1646,7 +1645,7 @@
             <a:fld id="{E82309BF-6C5B-4CB0-A6BD-DE8EDD67AD57}" type="datetimeFigureOut">
               <a:rPr lang="en-US" smtClean="0"/>
               <a:pPr/>
-              <a:t>12/17/2009</a:t>
+              <a:t>2/1/2010</a:t>
             </a:fld>
             <a:endParaRPr lang="en-CA"/>
           </a:p>
@@ -1798,7 +1797,7 @@
             <a:fld id="{E82309BF-6C5B-4CB0-A6BD-DE8EDD67AD57}" type="datetimeFigureOut">
               <a:rPr lang="en-US" smtClean="0"/>
               <a:pPr/>
-              <a:t>12/17/2009</a:t>
+              <a:t>2/1/2010</a:t>
             </a:fld>
             <a:endParaRPr lang="en-CA"/>
           </a:p>
@@ -2055,7 +2054,7 @@
             <a:fld id="{E82309BF-6C5B-4CB0-A6BD-DE8EDD67AD57}" type="datetimeFigureOut">
               <a:rPr lang="en-US" smtClean="0"/>
               <a:pPr/>
-              <a:t>12/17/2009</a:t>
+              <a:t>2/1/2010</a:t>
             </a:fld>
             <a:endParaRPr lang="en-CA"/>
           </a:p>
@@ -2466,7 +2465,7 @@
             <a:fld id="{E82309BF-6C5B-4CB0-A6BD-DE8EDD67AD57}" type="datetimeFigureOut">
               <a:rPr lang="en-US" smtClean="0"/>
               <a:pPr/>
-              <a:t>12/17/2009</a:t>
+              <a:t>2/1/2010</a:t>
             </a:fld>
             <a:endParaRPr lang="en-CA"/>
           </a:p>
@@ -2914,7 +2913,7 @@
             <a:fld id="{E82309BF-6C5B-4CB0-A6BD-DE8EDD67AD57}" type="datetimeFigureOut">
               <a:rPr lang="en-US" smtClean="0"/>
               <a:pPr/>
-              <a:t>12/17/2009</a:t>
+              <a:t>2/1/2010</a:t>
             </a:fld>
             <a:endParaRPr lang="en-CA"/>
           </a:p>
@@ -3017,7 +3016,7 @@
             <a:fld id="{E82309BF-6C5B-4CB0-A6BD-DE8EDD67AD57}" type="datetimeFigureOut">
               <a:rPr lang="en-US" smtClean="0"/>
               <a:pPr/>
-              <a:t>12/17/2009</a:t>
+              <a:t>2/1/2010</a:t>
             </a:fld>
             <a:endParaRPr lang="en-CA"/>
           </a:p>
@@ -3140,7 +3139,7 @@
             <a:fld id="{E82309BF-6C5B-4CB0-A6BD-DE8EDD67AD57}" type="datetimeFigureOut">
               <a:rPr lang="en-US" smtClean="0"/>
               <a:pPr/>
-              <a:t>12/17/2009</a:t>
+              <a:t>2/1/2010</a:t>
             </a:fld>
             <a:endParaRPr lang="en-CA"/>
           </a:p>
@@ -3416,7 +3415,7 @@
             <a:fld id="{E82309BF-6C5B-4CB0-A6BD-DE8EDD67AD57}" type="datetimeFigureOut">
               <a:rPr lang="en-US" smtClean="0"/>
               <a:pPr/>
-              <a:t>12/17/2009</a:t>
+              <a:t>2/1/2010</a:t>
             </a:fld>
             <a:endParaRPr lang="en-CA"/>
           </a:p>
@@ -3623,7 +3622,7 @@
             <a:fld id="{E82309BF-6C5B-4CB0-A6BD-DE8EDD67AD57}" type="datetimeFigureOut">
               <a:rPr lang="en-US" smtClean="0"/>
               <a:pPr/>
-              <a:t>12/17/2009</a:t>
+              <a:t>2/1/2010</a:t>
             </a:fld>
             <a:endParaRPr lang="en-CA"/>
           </a:p>
@@ -4734,7 +4733,7 @@
             <a:fld id="{E82309BF-6C5B-4CB0-A6BD-DE8EDD67AD57}" type="datetimeFigureOut">
               <a:rPr lang="en-US" smtClean="0"/>
               <a:pPr/>
-              <a:t>12/17/2009</a:t>
+              <a:t>2/1/2010</a:t>
             </a:fld>
             <a:endParaRPr lang="en-CA"/>
           </a:p>
@@ -5298,112 +5297,73 @@
           <a:chExt cx="0" cy="0"/>
         </a:xfrm>
       </p:grpSpPr>
-      <p:pic>
-        <p:nvPicPr>
-          <p:cNvPr id="4" name="Content Placeholder 3" descr="Software_Test_Web.jpg"/>
-          <p:cNvPicPr>
-            <a:picLocks noGrp="1" noChangeAspect="1"/>
-          </p:cNvPicPr>
+      <p:sp>
+        <p:nvSpPr>
+          <p:cNvPr id="2" name="Content Placeholder 1"/>
+          <p:cNvSpPr>
+            <a:spLocks noGrp="1"/>
+          </p:cNvSpPr>
           <p:nvPr>
             <p:ph idx="1"/>
           </p:nvPr>
-        </p:nvPicPr>
-        <p:blipFill>
-          <a:blip r:embed="rId2" cstate="print"/>
-          <a:stretch>
-            <a:fillRect/>
-          </a:stretch>
-        </p:blipFill>
+        </p:nvSpPr>
         <p:spPr>
           <a:xfrm>
-            <a:off x="3714744" y="2464587"/>
-            <a:ext cx="4643470" cy="3482603"/>
+            <a:off x="428596" y="1357298"/>
+            <a:ext cx="8215370" cy="5072098"/>
           </a:xfrm>
         </p:spPr>
-      </p:pic>
-      <p:sp>
-        <p:nvSpPr>
-          <p:cNvPr id="3" name="Title 2"/>
-          <p:cNvSpPr>
-            <a:spLocks noGrp="1"/>
-          </p:cNvSpPr>
-          <p:nvPr>
-            <p:ph type="title"/>
-          </p:nvPr>
-        </p:nvSpPr>
-        <p:spPr/>
-        <p:txBody>
-          <a:bodyPr/>
-          <a:lstStyle/>
-          <a:p>
-            <a:r>
-              <a:rPr lang="en-CA" dirty="0" smtClean="0"/>
-              <a:t>Testing</a:t>
-            </a:r>
-            <a:endParaRPr lang="en-CA" dirty="0"/>
-          </a:p>
-        </p:txBody>
-      </p:sp>
-      <p:sp>
-        <p:nvSpPr>
-          <p:cNvPr id="7" name="Content Placeholder 1"/>
-          <p:cNvSpPr txBox="1">
-            <a:spLocks/>
-          </p:cNvSpPr>
-          <p:nvPr/>
-        </p:nvSpPr>
-        <p:spPr>
-          <a:xfrm>
-            <a:off x="457200" y="1481328"/>
-            <a:ext cx="8229600" cy="4525963"/>
-          </a:xfrm>
-          <a:prstGeom prst="rect">
-            <a:avLst/>
-          </a:prstGeom>
-        </p:spPr>
-        <p:txBody>
-          <a:bodyPr vert="horz">
+        <p:txBody>
+          <a:bodyPr>
             <a:normAutofit/>
           </a:bodyPr>
           <a:lstStyle/>
           <a:p>
-            <a:pPr marL="365760" marR="0" lvl="0" indent="-256032" algn="l" defTabSz="914400" rtl="0" eaLnBrk="1" fontAlgn="auto" latinLnBrk="0" hangingPunct="1">
-              <a:lnSpc>
-                <a:spcPct val="100000"/>
-              </a:lnSpc>
-              <a:spcBef>
-                <a:spcPts val="400"/>
-              </a:spcBef>
-              <a:spcAft>
-                <a:spcPts val="0"/>
-              </a:spcAft>
-              <a:buClr>
-                <a:schemeClr val="accent1"/>
-              </a:buClr>
-              <a:buSzPct val="68000"/>
-              <a:buFont typeface="Wingdings 3"/>
-              <a:buChar char=""/>
-              <a:tabLst/>
-              <a:defRPr/>
-            </a:pPr>
-            <a:r>
-              <a:rPr lang="en-CA" sz="2700" dirty="0" smtClean="0"/>
-              <a:t>Functional testing</a:t>
-            </a:r>
-            <a:endParaRPr kumimoji="0" lang="en-CA" sz="2700" b="0" i="0" u="none" strike="noStrike" kern="1200" cap="none" spc="0" normalizeH="0" baseline="0" noProof="0" dirty="0">
-              <a:ln>
-                <a:noFill/>
-              </a:ln>
-              <a:solidFill>
-                <a:schemeClr val="tx1"/>
-              </a:solidFill>
-              <a:effectLst/>
-              <a:uLnTx/>
-              <a:uFillTx/>
-              <a:latin typeface="+mn-lt"/>
-              <a:ea typeface="+mn-ea"/>
-              <a:cs typeface="+mn-cs"/>
-            </a:endParaRPr>
+            <a:r>
+              <a:rPr lang="en-US" dirty="0" smtClean="0"/>
+              <a:t>Developed an understanding of the challenges involved in developing software </a:t>
+            </a:r>
+          </a:p>
+          <a:p>
+            <a:r>
+              <a:rPr lang="en-US" dirty="0" smtClean="0"/>
+              <a:t>Better literature comprehension by doing an actual project implementation. </a:t>
+            </a:r>
+          </a:p>
+          <a:p>
+            <a:r>
+              <a:rPr lang="en-US" dirty="0" smtClean="0"/>
+              <a:t>Learned about new technologies </a:t>
+            </a:r>
+          </a:p>
+          <a:p>
+            <a:r>
+              <a:rPr lang="en-US" dirty="0" smtClean="0"/>
+              <a:t>Got further insight on the interaction strategies and team work skills by using a collaborative development environment.</a:t>
+            </a:r>
+          </a:p>
+        </p:txBody>
+      </p:sp>
+      <p:sp>
+        <p:nvSpPr>
+          <p:cNvPr id="3" name="Title 2"/>
+          <p:cNvSpPr>
+            <a:spLocks noGrp="1"/>
+          </p:cNvSpPr>
+          <p:nvPr>
+            <p:ph type="title"/>
+          </p:nvPr>
+        </p:nvSpPr>
+        <p:spPr/>
+        <p:txBody>
+          <a:bodyPr/>
+          <a:lstStyle/>
+          <a:p>
+            <a:r>
+              <a:rPr lang="en-CA" dirty="0" smtClean="0"/>
+              <a:t>Conclusion</a:t>
+            </a:r>
+            <a:endParaRPr lang="en-CA" dirty="0"/>
           </a:p>
         </p:txBody>
       </p:sp>
@@ -5416,136 +5376,6 @@
 </file>
 
 <file path=ppt/slides/slide12.xml><?xml version="1.0" encoding="utf-8"?>
-<p:sld xmlns:a="http://schemas.openxmlformats.org/drawingml/2006/main" xmlns:r="http://schemas.openxmlformats.org/officeDocument/2006/relationships" xmlns:p="http://schemas.openxmlformats.org/presentationml/2006/main">
-  <p:cSld>
-    <p:spTree>
-      <p:nvGrpSpPr>
-        <p:cNvPr id="1" name=""/>
-        <p:cNvGrpSpPr/>
-        <p:nvPr/>
-      </p:nvGrpSpPr>
-      <p:grpSpPr>
-        <a:xfrm>
-          <a:off x="0" y="0"/>
-          <a:ext cx="0" cy="0"/>
-          <a:chOff x="0" y="0"/>
-          <a:chExt cx="0" cy="0"/>
-        </a:xfrm>
-      </p:grpSpPr>
-      <p:sp>
-        <p:nvSpPr>
-          <p:cNvPr id="2" name="Content Placeholder 1"/>
-          <p:cNvSpPr>
-            <a:spLocks noGrp="1"/>
-          </p:cNvSpPr>
-          <p:nvPr>
-            <p:ph idx="1"/>
-          </p:nvPr>
-        </p:nvSpPr>
-        <p:spPr>
-          <a:xfrm>
-            <a:off x="428596" y="1357298"/>
-            <a:ext cx="8215370" cy="5072098"/>
-          </a:xfrm>
-        </p:spPr>
-        <p:txBody>
-          <a:bodyPr>
-            <a:normAutofit/>
-          </a:bodyPr>
-          <a:lstStyle/>
-          <a:p>
-            <a:r>
-              <a:rPr lang="en-US" dirty="0" smtClean="0"/>
-              <a:t>Developed </a:t>
-            </a:r>
-            <a:r>
-              <a:rPr lang="en-US" dirty="0" smtClean="0"/>
-              <a:t>an understanding of the challenges involved in </a:t>
-            </a:r>
-            <a:r>
-              <a:rPr lang="en-US" dirty="0" smtClean="0"/>
-              <a:t>developing </a:t>
-            </a:r>
-            <a:r>
-              <a:rPr lang="en-US" dirty="0" smtClean="0"/>
-              <a:t>software </a:t>
-            </a:r>
-            <a:endParaRPr lang="en-US" dirty="0" smtClean="0"/>
-          </a:p>
-          <a:p>
-            <a:r>
-              <a:rPr lang="en-US" dirty="0" smtClean="0"/>
-              <a:t>Better literature comprehension by </a:t>
-            </a:r>
-            <a:r>
-              <a:rPr lang="en-US" dirty="0" smtClean="0"/>
-              <a:t>doing an actual project </a:t>
-            </a:r>
-            <a:r>
-              <a:rPr lang="en-US" dirty="0" smtClean="0"/>
-              <a:t>implementation. </a:t>
-            </a:r>
-          </a:p>
-          <a:p>
-            <a:r>
-              <a:rPr lang="en-US" dirty="0" smtClean="0"/>
-              <a:t>Learned </a:t>
-            </a:r>
-            <a:r>
-              <a:rPr lang="en-US" dirty="0" smtClean="0"/>
-              <a:t>about new technologies </a:t>
-            </a:r>
-            <a:endParaRPr lang="en-US" dirty="0" smtClean="0"/>
-          </a:p>
-          <a:p>
-            <a:r>
-              <a:rPr lang="en-US" dirty="0" smtClean="0"/>
-              <a:t>Got </a:t>
-            </a:r>
-            <a:r>
-              <a:rPr lang="en-US" dirty="0" smtClean="0"/>
-              <a:t>further insight on the interaction strategies and team work skills by using a collaborative development environment</a:t>
-            </a:r>
-            <a:r>
-              <a:rPr lang="en-US" dirty="0" smtClean="0"/>
-              <a:t>.</a:t>
-            </a:r>
-            <a:endParaRPr lang="en-US" dirty="0" smtClean="0"/>
-          </a:p>
-        </p:txBody>
-      </p:sp>
-      <p:sp>
-        <p:nvSpPr>
-          <p:cNvPr id="3" name="Title 2"/>
-          <p:cNvSpPr>
-            <a:spLocks noGrp="1"/>
-          </p:cNvSpPr>
-          <p:nvPr>
-            <p:ph type="title"/>
-          </p:nvPr>
-        </p:nvSpPr>
-        <p:spPr/>
-        <p:txBody>
-          <a:bodyPr/>
-          <a:lstStyle/>
-          <a:p>
-            <a:r>
-              <a:rPr lang="en-CA" dirty="0" smtClean="0"/>
-              <a:t>Conclusion</a:t>
-            </a:r>
-            <a:endParaRPr lang="en-CA" dirty="0"/>
-          </a:p>
-        </p:txBody>
-      </p:sp>
-    </p:spTree>
-  </p:cSld>
-  <p:clrMapOvr>
-    <a:masterClrMapping/>
-  </p:clrMapOvr>
-</p:sld>
-</file>
-
-<file path=ppt/slides/slide13.xml><?xml version="1.0" encoding="utf-8"?>
 <p:sld xmlns:a="http://schemas.openxmlformats.org/drawingml/2006/main" xmlns:r="http://schemas.openxmlformats.org/officeDocument/2006/relationships" xmlns:p="http://schemas.openxmlformats.org/presentationml/2006/main">
   <p:cSld>
     <p:spTree>
@@ -5668,14 +5498,6 @@
               </a:rPr>
               <a:t>Focus of the project</a:t>
             </a:r>
-            <a:endParaRPr lang="en-US" dirty="0" smtClean="0">
-              <a:solidFill>
-                <a:schemeClr val="tx1"/>
-              </a:solidFill>
-              <a:latin typeface="+mn-lt"/>
-              <a:ea typeface="+mn-ea"/>
-              <a:cs typeface="+mn-cs"/>
-            </a:endParaRPr>
           </a:p>
           <a:p>
             <a:r>
@@ -5885,11 +5707,7 @@
           <a:p>
             <a:r>
               <a:rPr lang="en-CA" dirty="0" smtClean="0"/>
-              <a:t>Spiral/Evolutionary </a:t>
-            </a:r>
-            <a:r>
-              <a:rPr lang="en-CA" dirty="0" smtClean="0"/>
-              <a:t>model</a:t>
+              <a:t>Spiral/Evolutionary model</a:t>
             </a:r>
           </a:p>
           <a:p>
@@ -6068,15 +5886,7 @@
           <a:p>
             <a:r>
               <a:rPr lang="en-CA" dirty="0" smtClean="0"/>
-              <a:t>The first step </a:t>
-            </a:r>
-            <a:r>
-              <a:rPr lang="en-CA" dirty="0" smtClean="0"/>
-              <a:t>our </a:t>
-            </a:r>
-            <a:r>
-              <a:rPr lang="en-CA" dirty="0" smtClean="0"/>
-              <a:t>spiral model</a:t>
+              <a:t>The first step our spiral model</a:t>
             </a:r>
           </a:p>
           <a:p>
@@ -6109,7 +5919,6 @@
               <a:rPr lang="en-CA" dirty="0" smtClean="0"/>
               <a:t>/SVN</a:t>
             </a:r>
-            <a:endParaRPr lang="en-CA" dirty="0" smtClean="0"/>
           </a:p>
           <a:p>
             <a:pPr lvl="1"/>
@@ -6124,7 +5933,6 @@
               <a:rPr lang="en-CA" dirty="0" smtClean="0"/>
               <a:t>GWT</a:t>
             </a:r>
-            <a:endParaRPr lang="en-CA" dirty="0" smtClean="0"/>
           </a:p>
           <a:p>
             <a:pPr lvl="1"/>
@@ -6132,7 +5940,6 @@
               <a:rPr lang="en-CA" dirty="0" smtClean="0"/>
               <a:t>Correctness </a:t>
             </a:r>
-            <a:endParaRPr lang="en-CA" dirty="0" smtClean="0"/>
           </a:p>
         </p:txBody>
       </p:sp>
@@ -6239,19 +6046,13 @@
               <a:rPr lang="en-CA" dirty="0" smtClean="0"/>
               <a:t>For developers</a:t>
             </a:r>
-            <a:endParaRPr lang="en-CA" dirty="0" smtClean="0"/>
           </a:p>
           <a:p>
             <a:pPr lvl="2"/>
             <a:r>
               <a:rPr lang="en-CA" dirty="0" smtClean="0"/>
-              <a:t>Easy </a:t>
-            </a:r>
-            <a:r>
-              <a:rPr lang="en-CA" dirty="0" smtClean="0"/>
-              <a:t>extension</a:t>
-            </a:r>
-            <a:endParaRPr lang="en-CA" dirty="0" smtClean="0"/>
+              <a:t>Easy extension</a:t>
+            </a:r>
           </a:p>
           <a:p>
             <a:pPr lvl="1"/>
@@ -6278,11 +6079,7 @@
             <a:pPr lvl="2"/>
             <a:r>
               <a:rPr lang="en-CA" dirty="0" smtClean="0"/>
-              <a:t>User friendly </a:t>
-            </a:r>
-            <a:r>
-              <a:rPr lang="en-CA" dirty="0" smtClean="0"/>
-              <a:t>environment</a:t>
+              <a:t>User friendly environment</a:t>
             </a:r>
           </a:p>
           <a:p>
@@ -6291,7 +6088,6 @@
               <a:rPr lang="en-CA" dirty="0" smtClean="0"/>
               <a:t>Fulfilment of pedagogical goal</a:t>
             </a:r>
-            <a:endParaRPr lang="en-CA" dirty="0" smtClean="0"/>
           </a:p>
           <a:p>
             <a:pPr lvl="1"/>
@@ -6394,7 +6190,6 @@
               <a:rPr lang="en-CA" dirty="0" smtClean="0"/>
               <a:t>Access control</a:t>
             </a:r>
-            <a:endParaRPr lang="en-CA" dirty="0" smtClean="0"/>
           </a:p>
           <a:p>
             <a:pPr lvl="1"/>
@@ -6414,24 +6209,15 @@
             <a:pPr lvl="2"/>
             <a:r>
               <a:rPr lang="en-CA" dirty="0" smtClean="0"/>
-              <a:t>Budget </a:t>
-            </a:r>
+              <a:t>Budget transactions</a:t>
+            </a:r>
+          </a:p>
+          <a:p>
+            <a:pPr lvl="2"/>
             <a:r>
               <a:rPr lang="en-CA" dirty="0" smtClean="0"/>
-              <a:t>transactions</a:t>
-            </a:r>
-          </a:p>
-          <a:p>
-            <a:pPr lvl="2"/>
-            <a:r>
-              <a:rPr lang="en-CA" dirty="0" smtClean="0"/>
-              <a:t>M</a:t>
-            </a:r>
-            <a:r>
-              <a:rPr lang="en-CA" dirty="0" smtClean="0"/>
-              <a:t>ail</a:t>
-            </a:r>
-            <a:endParaRPr lang="en-CA" dirty="0" smtClean="0"/>
+              <a:t>Mail</a:t>
+            </a:r>
           </a:p>
           <a:p>
             <a:pPr lvl="2"/>
